--- a/PPT/Go 10.pptx
+++ b/PPT/Go 10.pptx
@@ -6460,7 +6460,7 @@
           <a:p>
             <a:fld id="{397E0307-B85C-446A-8EF0-0407D435D787}" type="datetimeFigureOut">
               <a:rPr lang="en-US" smtClean="0"/>
-              <a:t>8/6/2020</a:t>
+              <a:t>9/26/2021</a:t>
             </a:fld>
             <a:endParaRPr lang="en-US" dirty="0"/>
           </a:p>
@@ -6874,7 +6874,7 @@
           <a:p>
             <a:fld id="{8BD862E7-95FA-4FC4-9EC5-DDBFA8DC7417}" type="datetimeFigureOut">
               <a:rPr lang="en-US" smtClean="0"/>
-              <a:t>8/6/2020</a:t>
+              <a:t>9/26/2021</a:t>
             </a:fld>
             <a:endParaRPr lang="en-US" dirty="0"/>
           </a:p>
@@ -7210,7 +7210,7 @@
           <a:p>
             <a:fld id="{8DB987F2-A784-4F72-BB57-0E9EACDE722E}" type="datetimeFigureOut">
               <a:rPr lang="en-US" smtClean="0"/>
-              <a:t>8/6/2020</a:t>
+              <a:t>9/26/2021</a:t>
             </a:fld>
             <a:endParaRPr lang="en-US" dirty="0"/>
           </a:p>
@@ -7615,7 +7615,7 @@
           <a:p>
             <a:fld id="{40BBD51E-4B19-444E-85C0-DBD7EB6263F4}" type="datetimeFigureOut">
               <a:rPr lang="en-US" smtClean="0"/>
-              <a:t>8/6/2020</a:t>
+              <a:t>9/26/2021</a:t>
             </a:fld>
             <a:endParaRPr lang="en-US" dirty="0"/>
           </a:p>
@@ -8183,7 +8183,7 @@
           <a:p>
             <a:fld id="{F0D7255A-4AD5-4D3E-9A0A-689DA3BA976C}" type="datetimeFigureOut">
               <a:rPr lang="en-US" smtClean="0"/>
-              <a:t>8/6/2020</a:t>
+              <a:t>9/26/2021</a:t>
             </a:fld>
             <a:endParaRPr lang="en-US" dirty="0"/>
           </a:p>
@@ -8864,7 +8864,7 @@
           <a:p>
             <a:fld id="{3EE0AD15-87AC-45B2-9EE5-8D165AF83CD7}" type="datetimeFigureOut">
               <a:rPr lang="en-US" smtClean="0"/>
-              <a:t>8/6/2020</a:t>
+              <a:t>9/26/2021</a:t>
             </a:fld>
             <a:endParaRPr lang="en-US" dirty="0"/>
           </a:p>
@@ -9777,7 +9777,7 @@
           <a:p>
             <a:fld id="{FCC40CCD-F0D6-4CC2-A4C8-2D7D0D875F02}" type="datetimeFigureOut">
               <a:rPr lang="en-US" smtClean="0"/>
-              <a:t>8/6/2020</a:t>
+              <a:t>9/26/2021</a:t>
             </a:fld>
             <a:endParaRPr lang="en-US" dirty="0"/>
           </a:p>
@@ -10090,7 +10090,7 @@
           <a:p>
             <a:fld id="{B3CFE2CC-454D-4466-AC55-B86DA0A87BAE}" type="datetimeFigureOut">
               <a:rPr lang="en-US" smtClean="0"/>
-              <a:t>8/6/2020</a:t>
+              <a:t>9/26/2021</a:t>
             </a:fld>
             <a:endParaRPr lang="en-US" dirty="0"/>
           </a:p>
@@ -10354,7 +10354,7 @@
           <a:p>
             <a:fld id="{B647B1BF-4039-460D-A637-65428CBD720E}" type="datetimeFigureOut">
               <a:rPr lang="en-US" smtClean="0"/>
-              <a:t>8/6/2020</a:t>
+              <a:t>9/26/2021</a:t>
             </a:fld>
             <a:endParaRPr lang="en-US" dirty="0"/>
           </a:p>
@@ -10678,7 +10678,7 @@
           <a:p>
             <a:fld id="{AAA39ACE-9343-4EBE-B5CA-AEA240A1DC53}" type="datetimeFigureOut">
               <a:rPr lang="en-US" smtClean="0"/>
-              <a:t>8/6/2020</a:t>
+              <a:t>9/26/2021</a:t>
             </a:fld>
             <a:endParaRPr lang="en-US" dirty="0"/>
           </a:p>
@@ -11067,7 +11067,7 @@
           <a:p>
             <a:fld id="{C9A00F7B-89C5-4DF7-A309-6263220147D4}" type="datetimeFigureOut">
               <a:rPr lang="en-US" smtClean="0"/>
-              <a:t>8/6/2020</a:t>
+              <a:t>9/26/2021</a:t>
             </a:fld>
             <a:endParaRPr lang="en-US" dirty="0"/>
           </a:p>
@@ -11443,7 +11443,7 @@
           <a:p>
             <a:fld id="{449C95DE-FD64-4606-AE61-EC1136867CC6}" type="datetimeFigureOut">
               <a:rPr lang="en-US" smtClean="0"/>
-              <a:t>8/6/2020</a:t>
+              <a:t>9/26/2021</a:t>
             </a:fld>
             <a:endParaRPr lang="en-US" dirty="0"/>
           </a:p>
@@ -11949,7 +11949,7 @@
           <a:p>
             <a:fld id="{5DEB0BBD-30FE-4CF1-900A-0C45149F8AF8}" type="datetimeFigureOut">
               <a:rPr lang="en-US" smtClean="0"/>
-              <a:t>8/6/2020</a:t>
+              <a:t>9/26/2021</a:t>
             </a:fld>
             <a:endParaRPr lang="en-US" dirty="0"/>
           </a:p>
@@ -12206,7 +12206,7 @@
           <a:p>
             <a:fld id="{B91A5F7F-3E81-4C65-A4D1-CB62D5B9DB91}" type="datetimeFigureOut">
               <a:rPr lang="en-US" smtClean="0"/>
-              <a:t>8/6/2020</a:t>
+              <a:t>9/26/2021</a:t>
             </a:fld>
             <a:endParaRPr lang="en-US" dirty="0"/>
           </a:p>
@@ -12369,7 +12369,7 @@
           <a:p>
             <a:fld id="{377ECC86-1672-4627-AEFE-EC5485C73905}" type="datetimeFigureOut">
               <a:rPr lang="en-US" smtClean="0"/>
-              <a:t>8/6/2020</a:t>
+              <a:t>9/26/2021</a:t>
             </a:fld>
             <a:endParaRPr lang="en-US" dirty="0"/>
           </a:p>
@@ -12759,7 +12759,7 @@
           <a:p>
             <a:fld id="{3CDCB01F-D966-4C62-B900-0BE008A90C98}" type="datetimeFigureOut">
               <a:rPr lang="en-US" smtClean="0"/>
-              <a:t>8/6/2020</a:t>
+              <a:t>9/26/2021</a:t>
             </a:fld>
             <a:endParaRPr lang="en-US" dirty="0"/>
           </a:p>
@@ -13168,7 +13168,7 @@
           <a:p>
             <a:fld id="{5E73A0EA-7DC7-4964-BB97-B173EF3B859A}" type="datetimeFigureOut">
               <a:rPr lang="en-US" smtClean="0"/>
-              <a:t>8/6/2020</a:t>
+              <a:t>9/26/2021</a:t>
             </a:fld>
             <a:endParaRPr lang="en-US" dirty="0"/>
           </a:p>
@@ -13412,7 +13412,7 @@
           <a:p>
             <a:fld id="{30EF52CC-F3D9-41D4-BCE4-C208E61A3F31}" type="datetimeFigureOut">
               <a:rPr lang="en-US" smtClean="0"/>
-              <a:t>8/6/2020</a:t>
+              <a:t>9/26/2021</a:t>
             </a:fld>
             <a:endParaRPr lang="en-US" dirty="0"/>
           </a:p>
@@ -14989,8 +14989,86 @@
               <a:t>说出两个函数，它们可以把整数类型转化为 </a:t>
             </a:r>
             <a:r>
-              <a:rPr lang="en-US" altLang="zh-CN" dirty="0"/>
+              <a:rPr lang="en-US" altLang="zh-CN" dirty="0" smtClean="0"/>
               <a:t>string</a:t>
+            </a:r>
+          </a:p>
+          <a:p>
+            <a:r>
+              <a:rPr lang="en-US" altLang="zh-CN" dirty="0" err="1" smtClean="0"/>
+              <a:t>Str</a:t>
+            </a:r>
+            <a:r>
+              <a:rPr lang="en-US" altLang="zh-CN" dirty="0" smtClean="0"/>
+              <a:t>:=</a:t>
+            </a:r>
+            <a:r>
+              <a:rPr lang="en-US" altLang="zh-CN" dirty="0" err="1" smtClean="0"/>
+              <a:t>fmt.Sprintf</a:t>
+            </a:r>
+            <a:r>
+              <a:rPr lang="en-US" altLang="zh-CN" dirty="0" smtClean="0"/>
+              <a:t>(</a:t>
+            </a:r>
+            <a:r>
+              <a:rPr lang="en-US" altLang="zh-CN" dirty="0" err="1" smtClean="0"/>
+              <a:t>nums</a:t>
+            </a:r>
+            <a:r>
+              <a:rPr lang="en-US" altLang="zh-CN" dirty="0" smtClean="0"/>
+              <a:t>);</a:t>
+            </a:r>
+            <a:r>
+              <a:rPr lang="en-US" altLang="zh-CN" dirty="0" err="1" smtClean="0"/>
+              <a:t>fmt.println</a:t>
+            </a:r>
+            <a:r>
+              <a:rPr lang="en-US" altLang="zh-CN" dirty="0" smtClean="0"/>
+              <a:t>(</a:t>
+            </a:r>
+            <a:r>
+              <a:rPr lang="en-US" altLang="zh-CN" dirty="0" err="1" smtClean="0"/>
+              <a:t>str</a:t>
+            </a:r>
+            <a:r>
+              <a:rPr lang="en-US" altLang="zh-CN" dirty="0" smtClean="0"/>
+              <a:t>)</a:t>
+            </a:r>
+          </a:p>
+          <a:p>
+            <a:r>
+              <a:rPr lang="en-US" dirty="0" err="1" smtClean="0"/>
+              <a:t>Strcon</a:t>
+            </a:r>
+            <a:r>
+              <a:rPr lang="en-US" altLang="zh-CN" dirty="0" err="1" smtClean="0"/>
+              <a:t>v.Itoa</a:t>
+            </a:r>
+            <a:r>
+              <a:rPr lang="en-US" altLang="zh-CN" dirty="0" smtClean="0"/>
+              <a:t>(</a:t>
+            </a:r>
+            <a:r>
+              <a:rPr lang="en-US" altLang="zh-CN" dirty="0" err="1" smtClean="0"/>
+              <a:t>nums</a:t>
+            </a:r>
+            <a:r>
+              <a:rPr lang="en-US" altLang="zh-CN" dirty="0" smtClean="0"/>
+              <a:t>)</a:t>
+            </a:r>
+          </a:p>
+          <a:p>
+            <a:r>
+              <a:rPr lang="en-US" dirty="0" smtClean="0"/>
+              <a:t>String(</a:t>
+            </a:r>
+            <a:r>
+              <a:rPr lang="en-US" dirty="0" err="1" smtClean="0"/>
+              <a:t>nums</a:t>
+            </a:r>
+            <a:r>
+              <a:rPr lang="en-US" dirty="0" smtClean="0"/>
+              <a:t>)</a:t>
             </a:r>
             <a:endParaRPr lang="en-US" dirty="0"/>
           </a:p>
@@ -15526,6 +15604,500 @@
               <a:t>false -&gt; 0</a:t>
             </a:r>
             <a:endParaRPr lang="en-US" dirty="0"/>
+          </a:p>
+        </p:txBody>
+      </p:sp>
+      <p:sp>
+        <p:nvSpPr>
+          <p:cNvPr id="4" name="矩形 3"/>
+          <p:cNvSpPr/>
+          <p:nvPr/>
+        </p:nvSpPr>
+        <p:spPr>
+          <a:xfrm>
+            <a:off x="1519990" y="2731168"/>
+            <a:ext cx="5085347" cy="4247317"/>
+          </a:xfrm>
+          <a:prstGeom prst="rect">
+            <a:avLst/>
+          </a:prstGeom>
+        </p:spPr>
+        <p:txBody>
+          <a:bodyPr wrap="square">
+            <a:spAutoFit/>
+          </a:bodyPr>
+          <a:lstStyle/>
+          <a:p>
+            <a:r>
+              <a:rPr lang="en-US" altLang="zh-CN" dirty="0">
+                <a:solidFill>
+                  <a:srgbClr val="D4D4D4"/>
+                </a:solidFill>
+                <a:latin typeface="Consolas" panose="020B0609020204030204" pitchFamily="49" charset="0"/>
+              </a:rPr>
+              <a:t/>
+            </a:r>
+            <a:br>
+              <a:rPr lang="en-US" altLang="zh-CN" dirty="0">
+                <a:solidFill>
+                  <a:srgbClr val="D4D4D4"/>
+                </a:solidFill>
+                <a:latin typeface="Consolas" panose="020B0609020204030204" pitchFamily="49" charset="0"/>
+              </a:rPr>
+            </a:br>
+            <a:r>
+              <a:rPr lang="en-US" altLang="zh-CN" dirty="0" err="1">
+                <a:solidFill>
+                  <a:srgbClr val="569CD6"/>
+                </a:solidFill>
+                <a:latin typeface="Consolas" panose="020B0609020204030204" pitchFamily="49" charset="0"/>
+              </a:rPr>
+              <a:t>func</a:t>
+            </a:r>
+            <a:r>
+              <a:rPr lang="en-US" altLang="zh-CN" dirty="0">
+                <a:solidFill>
+                  <a:srgbClr val="D4D4D4"/>
+                </a:solidFill>
+                <a:latin typeface="Consolas" panose="020B0609020204030204" pitchFamily="49" charset="0"/>
+              </a:rPr>
+              <a:t> </a:t>
+            </a:r>
+            <a:r>
+              <a:rPr lang="en-US" altLang="zh-CN" dirty="0">
+                <a:solidFill>
+                  <a:srgbClr val="DCDCAA"/>
+                </a:solidFill>
+                <a:latin typeface="Consolas" panose="020B0609020204030204" pitchFamily="49" charset="0"/>
+              </a:rPr>
+              <a:t>main</a:t>
+            </a:r>
+            <a:r>
+              <a:rPr lang="en-US" altLang="zh-CN" dirty="0">
+                <a:solidFill>
+                  <a:srgbClr val="D4D4D4"/>
+                </a:solidFill>
+                <a:latin typeface="Consolas" panose="020B0609020204030204" pitchFamily="49" charset="0"/>
+              </a:rPr>
+              <a:t>() {</a:t>
+            </a:r>
+          </a:p>
+          <a:p>
+            <a:r>
+              <a:rPr lang="en-US" altLang="zh-CN" dirty="0">
+                <a:solidFill>
+                  <a:srgbClr val="D4D4D4"/>
+                </a:solidFill>
+                <a:latin typeface="Consolas" panose="020B0609020204030204" pitchFamily="49" charset="0"/>
+              </a:rPr>
+              <a:t/>
+            </a:r>
+            <a:br>
+              <a:rPr lang="en-US" altLang="zh-CN" dirty="0">
+                <a:solidFill>
+                  <a:srgbClr val="D4D4D4"/>
+                </a:solidFill>
+                <a:latin typeface="Consolas" panose="020B0609020204030204" pitchFamily="49" charset="0"/>
+              </a:rPr>
+            </a:br>
+            <a:r>
+              <a:rPr lang="en-US" altLang="zh-CN" dirty="0">
+                <a:solidFill>
+                  <a:srgbClr val="D4D4D4"/>
+                </a:solidFill>
+                <a:latin typeface="Consolas" panose="020B0609020204030204" pitchFamily="49" charset="0"/>
+              </a:rPr>
+              <a:t>    </a:t>
+            </a:r>
+            <a:r>
+              <a:rPr lang="en-US" altLang="zh-CN" dirty="0" err="1">
+                <a:solidFill>
+                  <a:srgbClr val="569CD6"/>
+                </a:solidFill>
+                <a:latin typeface="Consolas" panose="020B0609020204030204" pitchFamily="49" charset="0"/>
+              </a:rPr>
+              <a:t>var</a:t>
+            </a:r>
+            <a:r>
+              <a:rPr lang="en-US" altLang="zh-CN" dirty="0">
+                <a:solidFill>
+                  <a:srgbClr val="D4D4D4"/>
+                </a:solidFill>
+                <a:latin typeface="Consolas" panose="020B0609020204030204" pitchFamily="49" charset="0"/>
+              </a:rPr>
+              <a:t> </a:t>
+            </a:r>
+            <a:r>
+              <a:rPr lang="en-US" altLang="zh-CN" dirty="0">
+                <a:solidFill>
+                  <a:srgbClr val="9CDCFE"/>
+                </a:solidFill>
+                <a:latin typeface="Consolas" panose="020B0609020204030204" pitchFamily="49" charset="0"/>
+              </a:rPr>
+              <a:t>b</a:t>
+            </a:r>
+            <a:r>
+              <a:rPr lang="en-US" altLang="zh-CN" dirty="0">
+                <a:solidFill>
+                  <a:srgbClr val="D4D4D4"/>
+                </a:solidFill>
+                <a:latin typeface="Consolas" panose="020B0609020204030204" pitchFamily="49" charset="0"/>
+              </a:rPr>
+              <a:t> </a:t>
+            </a:r>
+            <a:r>
+              <a:rPr lang="en-US" altLang="zh-CN" dirty="0">
+                <a:solidFill>
+                  <a:srgbClr val="4EC9B0"/>
+                </a:solidFill>
+                <a:latin typeface="Consolas" panose="020B0609020204030204" pitchFamily="49" charset="0"/>
+              </a:rPr>
+              <a:t>bool</a:t>
+            </a:r>
+            <a:endParaRPr lang="en-US" altLang="zh-CN" dirty="0">
+              <a:solidFill>
+                <a:srgbClr val="D4D4D4"/>
+              </a:solidFill>
+              <a:latin typeface="Consolas" panose="020B0609020204030204" pitchFamily="49" charset="0"/>
+            </a:endParaRPr>
+          </a:p>
+          <a:p>
+            <a:r>
+              <a:rPr lang="en-US" altLang="zh-CN" dirty="0">
+                <a:solidFill>
+                  <a:srgbClr val="D4D4D4"/>
+                </a:solidFill>
+                <a:latin typeface="Consolas" panose="020B0609020204030204" pitchFamily="49" charset="0"/>
+              </a:rPr>
+              <a:t>    </a:t>
+            </a:r>
+            <a:r>
+              <a:rPr lang="en-US" altLang="zh-CN" dirty="0">
+                <a:solidFill>
+                  <a:srgbClr val="9CDCFE"/>
+                </a:solidFill>
+                <a:latin typeface="Consolas" panose="020B0609020204030204" pitchFamily="49" charset="0"/>
+              </a:rPr>
+              <a:t>b</a:t>
+            </a:r>
+            <a:r>
+              <a:rPr lang="en-US" altLang="zh-CN" dirty="0">
+                <a:solidFill>
+                  <a:srgbClr val="D4D4D4"/>
+                </a:solidFill>
+                <a:latin typeface="Consolas" panose="020B0609020204030204" pitchFamily="49" charset="0"/>
+              </a:rPr>
+              <a:t> = </a:t>
+            </a:r>
+            <a:r>
+              <a:rPr lang="en-US" altLang="zh-CN" dirty="0">
+                <a:solidFill>
+                  <a:srgbClr val="569CD6"/>
+                </a:solidFill>
+                <a:latin typeface="Consolas" panose="020B0609020204030204" pitchFamily="49" charset="0"/>
+              </a:rPr>
+              <a:t>false</a:t>
+            </a:r>
+            <a:endParaRPr lang="en-US" altLang="zh-CN" dirty="0">
+              <a:solidFill>
+                <a:srgbClr val="D4D4D4"/>
+              </a:solidFill>
+              <a:latin typeface="Consolas" panose="020B0609020204030204" pitchFamily="49" charset="0"/>
+            </a:endParaRPr>
+          </a:p>
+          <a:p>
+            <a:r>
+              <a:rPr lang="en-US" altLang="zh-CN" dirty="0">
+                <a:solidFill>
+                  <a:srgbClr val="D4D4D4"/>
+                </a:solidFill>
+                <a:latin typeface="Consolas" panose="020B0609020204030204" pitchFamily="49" charset="0"/>
+              </a:rPr>
+              <a:t>    </a:t>
+            </a:r>
+            <a:r>
+              <a:rPr lang="en-US" altLang="zh-CN" dirty="0" err="1">
+                <a:solidFill>
+                  <a:srgbClr val="9CDCFE"/>
+                </a:solidFill>
+                <a:latin typeface="Consolas" panose="020B0609020204030204" pitchFamily="49" charset="0"/>
+              </a:rPr>
+              <a:t>i</a:t>
+            </a:r>
+            <a:r>
+              <a:rPr lang="en-US" altLang="zh-CN" dirty="0">
+                <a:solidFill>
+                  <a:srgbClr val="D4D4D4"/>
+                </a:solidFill>
+                <a:latin typeface="Consolas" panose="020B0609020204030204" pitchFamily="49" charset="0"/>
+              </a:rPr>
+              <a:t> := </a:t>
+            </a:r>
+            <a:r>
+              <a:rPr lang="en-US" altLang="zh-CN" dirty="0">
+                <a:solidFill>
+                  <a:srgbClr val="B5CEA8"/>
+                </a:solidFill>
+                <a:latin typeface="Consolas" panose="020B0609020204030204" pitchFamily="49" charset="0"/>
+              </a:rPr>
+              <a:t>0</a:t>
+            </a:r>
+            <a:endParaRPr lang="en-US" altLang="zh-CN" dirty="0">
+              <a:solidFill>
+                <a:srgbClr val="D4D4D4"/>
+              </a:solidFill>
+              <a:latin typeface="Consolas" panose="020B0609020204030204" pitchFamily="49" charset="0"/>
+            </a:endParaRPr>
+          </a:p>
+          <a:p>
+            <a:r>
+              <a:rPr lang="en-US" altLang="zh-CN" dirty="0">
+                <a:solidFill>
+                  <a:srgbClr val="D4D4D4"/>
+                </a:solidFill>
+                <a:latin typeface="Consolas" panose="020B0609020204030204" pitchFamily="49" charset="0"/>
+              </a:rPr>
+              <a:t>    </a:t>
+            </a:r>
+            <a:r>
+              <a:rPr lang="en-US" altLang="zh-CN" dirty="0">
+                <a:solidFill>
+                  <a:srgbClr val="C586C0"/>
+                </a:solidFill>
+                <a:latin typeface="Consolas" panose="020B0609020204030204" pitchFamily="49" charset="0"/>
+              </a:rPr>
+              <a:t>if</a:t>
+            </a:r>
+            <a:r>
+              <a:rPr lang="en-US" altLang="zh-CN" dirty="0">
+                <a:solidFill>
+                  <a:srgbClr val="D4D4D4"/>
+                </a:solidFill>
+                <a:latin typeface="Consolas" panose="020B0609020204030204" pitchFamily="49" charset="0"/>
+              </a:rPr>
+              <a:t> b {</a:t>
+            </a:r>
+          </a:p>
+          <a:p>
+            <a:r>
+              <a:rPr lang="en-US" altLang="zh-CN" dirty="0">
+                <a:solidFill>
+                  <a:srgbClr val="D4D4D4"/>
+                </a:solidFill>
+                <a:latin typeface="Consolas" panose="020B0609020204030204" pitchFamily="49" charset="0"/>
+              </a:rPr>
+              <a:t>        </a:t>
+            </a:r>
+            <a:r>
+              <a:rPr lang="en-US" altLang="zh-CN" dirty="0" err="1">
+                <a:solidFill>
+                  <a:srgbClr val="9CDCFE"/>
+                </a:solidFill>
+                <a:latin typeface="Consolas" panose="020B0609020204030204" pitchFamily="49" charset="0"/>
+              </a:rPr>
+              <a:t>i</a:t>
+            </a:r>
+            <a:r>
+              <a:rPr lang="en-US" altLang="zh-CN" dirty="0">
+                <a:solidFill>
+                  <a:srgbClr val="D4D4D4"/>
+                </a:solidFill>
+                <a:latin typeface="Consolas" panose="020B0609020204030204" pitchFamily="49" charset="0"/>
+              </a:rPr>
+              <a:t> = </a:t>
+            </a:r>
+            <a:r>
+              <a:rPr lang="en-US" altLang="zh-CN" dirty="0">
+                <a:solidFill>
+                  <a:srgbClr val="B5CEA8"/>
+                </a:solidFill>
+                <a:latin typeface="Consolas" panose="020B0609020204030204" pitchFamily="49" charset="0"/>
+              </a:rPr>
+              <a:t>1</a:t>
+            </a:r>
+            <a:endParaRPr lang="en-US" altLang="zh-CN" dirty="0">
+              <a:solidFill>
+                <a:srgbClr val="D4D4D4"/>
+              </a:solidFill>
+              <a:latin typeface="Consolas" panose="020B0609020204030204" pitchFamily="49" charset="0"/>
+            </a:endParaRPr>
+          </a:p>
+          <a:p>
+            <a:r>
+              <a:rPr lang="en-US" altLang="zh-CN" dirty="0">
+                <a:solidFill>
+                  <a:srgbClr val="D4D4D4"/>
+                </a:solidFill>
+                <a:latin typeface="Consolas" panose="020B0609020204030204" pitchFamily="49" charset="0"/>
+              </a:rPr>
+              <a:t>    } </a:t>
+            </a:r>
+            <a:r>
+              <a:rPr lang="en-US" altLang="zh-CN" dirty="0">
+                <a:solidFill>
+                  <a:srgbClr val="C586C0"/>
+                </a:solidFill>
+                <a:latin typeface="Consolas" panose="020B0609020204030204" pitchFamily="49" charset="0"/>
+              </a:rPr>
+              <a:t>else</a:t>
+            </a:r>
+            <a:r>
+              <a:rPr lang="en-US" altLang="zh-CN" dirty="0">
+                <a:solidFill>
+                  <a:srgbClr val="D4D4D4"/>
+                </a:solidFill>
+                <a:latin typeface="Consolas" panose="020B0609020204030204" pitchFamily="49" charset="0"/>
+              </a:rPr>
+              <a:t> {</a:t>
+            </a:r>
+          </a:p>
+          <a:p>
+            <a:r>
+              <a:rPr lang="en-US" altLang="zh-CN" dirty="0">
+                <a:solidFill>
+                  <a:srgbClr val="D4D4D4"/>
+                </a:solidFill>
+                <a:latin typeface="Consolas" panose="020B0609020204030204" pitchFamily="49" charset="0"/>
+              </a:rPr>
+              <a:t>        </a:t>
+            </a:r>
+            <a:r>
+              <a:rPr lang="en-US" altLang="zh-CN" dirty="0" err="1">
+                <a:solidFill>
+                  <a:srgbClr val="9CDCFE"/>
+                </a:solidFill>
+                <a:latin typeface="Consolas" panose="020B0609020204030204" pitchFamily="49" charset="0"/>
+              </a:rPr>
+              <a:t>i</a:t>
+            </a:r>
+            <a:r>
+              <a:rPr lang="en-US" altLang="zh-CN" dirty="0">
+                <a:solidFill>
+                  <a:srgbClr val="D4D4D4"/>
+                </a:solidFill>
+                <a:latin typeface="Consolas" panose="020B0609020204030204" pitchFamily="49" charset="0"/>
+              </a:rPr>
+              <a:t> = </a:t>
+            </a:r>
+            <a:r>
+              <a:rPr lang="en-US" altLang="zh-CN" dirty="0">
+                <a:solidFill>
+                  <a:srgbClr val="B5CEA8"/>
+                </a:solidFill>
+                <a:latin typeface="Consolas" panose="020B0609020204030204" pitchFamily="49" charset="0"/>
+              </a:rPr>
+              <a:t>0</a:t>
+            </a:r>
+            <a:endParaRPr lang="en-US" altLang="zh-CN" dirty="0">
+              <a:solidFill>
+                <a:srgbClr val="D4D4D4"/>
+              </a:solidFill>
+              <a:latin typeface="Consolas" panose="020B0609020204030204" pitchFamily="49" charset="0"/>
+            </a:endParaRPr>
+          </a:p>
+          <a:p>
+            <a:r>
+              <a:rPr lang="en-US" altLang="zh-CN" dirty="0">
+                <a:solidFill>
+                  <a:srgbClr val="D4D4D4"/>
+                </a:solidFill>
+                <a:latin typeface="Consolas" panose="020B0609020204030204" pitchFamily="49" charset="0"/>
+              </a:rPr>
+              <a:t>    }</a:t>
+            </a:r>
+          </a:p>
+          <a:p>
+            <a:r>
+              <a:rPr lang="en-US" altLang="zh-CN" dirty="0">
+                <a:solidFill>
+                  <a:srgbClr val="D4D4D4"/>
+                </a:solidFill>
+                <a:latin typeface="Consolas" panose="020B0609020204030204" pitchFamily="49" charset="0"/>
+              </a:rPr>
+              <a:t>    </a:t>
+            </a:r>
+            <a:r>
+              <a:rPr lang="en-US" altLang="zh-CN" dirty="0" err="1">
+                <a:solidFill>
+                  <a:srgbClr val="D4D4D4"/>
+                </a:solidFill>
+                <a:latin typeface="Consolas" panose="020B0609020204030204" pitchFamily="49" charset="0"/>
+              </a:rPr>
+              <a:t>fmt.</a:t>
+            </a:r>
+            <a:r>
+              <a:rPr lang="en-US" altLang="zh-CN" dirty="0" err="1">
+                <a:solidFill>
+                  <a:srgbClr val="DCDCAA"/>
+                </a:solidFill>
+                <a:latin typeface="Consolas" panose="020B0609020204030204" pitchFamily="49" charset="0"/>
+              </a:rPr>
+              <a:t>Print</a:t>
+            </a:r>
+            <a:r>
+              <a:rPr lang="en-US" altLang="zh-CN" dirty="0">
+                <a:solidFill>
+                  <a:srgbClr val="D4D4D4"/>
+                </a:solidFill>
+                <a:latin typeface="Consolas" panose="020B0609020204030204" pitchFamily="49" charset="0"/>
+              </a:rPr>
+              <a:t>(</a:t>
+            </a:r>
+            <a:r>
+              <a:rPr lang="en-US" altLang="zh-CN" dirty="0" err="1">
+                <a:solidFill>
+                  <a:srgbClr val="D4D4D4"/>
+                </a:solidFill>
+                <a:latin typeface="Consolas" panose="020B0609020204030204" pitchFamily="49" charset="0"/>
+              </a:rPr>
+              <a:t>i</a:t>
+            </a:r>
+            <a:r>
+              <a:rPr lang="en-US" altLang="zh-CN" dirty="0">
+                <a:solidFill>
+                  <a:srgbClr val="D4D4D4"/>
+                </a:solidFill>
+                <a:latin typeface="Consolas" panose="020B0609020204030204" pitchFamily="49" charset="0"/>
+              </a:rPr>
+              <a:t>)</a:t>
+            </a:r>
+          </a:p>
+          <a:p>
+            <a:r>
+              <a:rPr lang="en-US" altLang="zh-CN" dirty="0">
+                <a:solidFill>
+                  <a:srgbClr val="D4D4D4"/>
+                </a:solidFill>
+                <a:latin typeface="Consolas" panose="020B0609020204030204" pitchFamily="49" charset="0"/>
+              </a:rPr>
+              <a:t>}</a:t>
+            </a:r>
+          </a:p>
+          <a:p>
+            <a:r>
+              <a:rPr lang="en-US" altLang="zh-CN" dirty="0">
+                <a:solidFill>
+                  <a:srgbClr val="D4D4D4"/>
+                </a:solidFill>
+                <a:latin typeface="Consolas" panose="020B0609020204030204" pitchFamily="49" charset="0"/>
+              </a:rPr>
+              <a:t/>
+            </a:r>
+            <a:br>
+              <a:rPr lang="en-US" altLang="zh-CN" dirty="0">
+                <a:solidFill>
+                  <a:srgbClr val="D4D4D4"/>
+                </a:solidFill>
+                <a:latin typeface="Consolas" panose="020B0609020204030204" pitchFamily="49" charset="0"/>
+              </a:rPr>
+            </a:br>
+            <a:endParaRPr lang="en-US" altLang="zh-CN" b="0" dirty="0">
+              <a:solidFill>
+                <a:srgbClr val="D4D4D4"/>
+              </a:solidFill>
+              <a:effectLst/>
+              <a:latin typeface="Consolas" panose="020B0609020204030204" pitchFamily="49" charset="0"/>
+            </a:endParaRPr>
           </a:p>
         </p:txBody>
       </p:sp>
